--- a/JPA/资料/讲义/尚硅谷_JPA.pptx
+++ b/JPA/资料/讲义/尚硅谷_JPA.pptx
@@ -302,7 +302,7 @@
           <a:p>
             <a:fld id="{227C71FD-8420-4899-BF84-E316838BC28C}" type="datetimeFigureOut">
               <a:rPr lang="zh-CN" altLang="en-US" smtClean="0"/>
-              <a:t>2018/9/4</a:t>
+              <a:t>2018/9/9</a:t>
             </a:fld>
             <a:endParaRPr lang="zh-CN" altLang="en-US"/>
           </a:p>
@@ -467,7 +467,7 @@
           <a:p>
             <a:fld id="{D8485306-80E6-4960-AFD0-CFA0BBF19A9D}" type="datetimeFigureOut">
               <a:rPr lang="zh-CN" altLang="en-US" smtClean="0"/>
-              <a:t>2018/9/4</a:t>
+              <a:t>2018/9/8</a:t>
             </a:fld>
             <a:endParaRPr lang="zh-CN" altLang="en-US"/>
           </a:p>
@@ -1642,7 +1642,7 @@
             <a:fld id="{530820CF-B880-4189-942D-D702A7CBA730}" type="datetimeFigureOut">
               <a:rPr lang="zh-CN" altLang="en-US" smtClean="0"/>
               <a:pPr/>
-              <a:t>2018/9/4</a:t>
+              <a:t>2018/9/8</a:t>
             </a:fld>
             <a:endParaRPr lang="zh-CN" altLang="en-US"/>
           </a:p>
@@ -1807,7 +1807,7 @@
             <a:fld id="{530820CF-B880-4189-942D-D702A7CBA730}" type="datetimeFigureOut">
               <a:rPr lang="zh-CN" altLang="en-US" smtClean="0"/>
               <a:pPr/>
-              <a:t>2018/9/4</a:t>
+              <a:t>2018/9/8</a:t>
             </a:fld>
             <a:endParaRPr lang="zh-CN" altLang="en-US"/>
           </a:p>
@@ -1982,7 +1982,7 @@
             <a:fld id="{530820CF-B880-4189-942D-D702A7CBA730}" type="datetimeFigureOut">
               <a:rPr lang="zh-CN" altLang="en-US" smtClean="0"/>
               <a:pPr/>
-              <a:t>2018/9/4</a:t>
+              <a:t>2018/9/8</a:t>
             </a:fld>
             <a:endParaRPr lang="zh-CN" altLang="en-US"/>
           </a:p>
@@ -2147,7 +2147,7 @@
             <a:fld id="{530820CF-B880-4189-942D-D702A7CBA730}" type="datetimeFigureOut">
               <a:rPr lang="zh-CN" altLang="en-US" smtClean="0"/>
               <a:pPr/>
-              <a:t>2018/9/4</a:t>
+              <a:t>2018/9/8</a:t>
             </a:fld>
             <a:endParaRPr lang="zh-CN" altLang="en-US"/>
           </a:p>
@@ -2389,7 +2389,7 @@
             <a:fld id="{530820CF-B880-4189-942D-D702A7CBA730}" type="datetimeFigureOut">
               <a:rPr lang="zh-CN" altLang="en-US" smtClean="0"/>
               <a:pPr/>
-              <a:t>2018/9/4</a:t>
+              <a:t>2018/9/8</a:t>
             </a:fld>
             <a:endParaRPr lang="zh-CN" altLang="en-US"/>
           </a:p>
@@ -2671,7 +2671,7 @@
             <a:fld id="{530820CF-B880-4189-942D-D702A7CBA730}" type="datetimeFigureOut">
               <a:rPr lang="zh-CN" altLang="en-US" smtClean="0"/>
               <a:pPr/>
-              <a:t>2018/9/4</a:t>
+              <a:t>2018/9/8</a:t>
             </a:fld>
             <a:endParaRPr lang="zh-CN" altLang="en-US"/>
           </a:p>
@@ -3087,7 +3087,7 @@
             <a:fld id="{530820CF-B880-4189-942D-D702A7CBA730}" type="datetimeFigureOut">
               <a:rPr lang="zh-CN" altLang="en-US" smtClean="0"/>
               <a:pPr/>
-              <a:t>2018/9/4</a:t>
+              <a:t>2018/9/8</a:t>
             </a:fld>
             <a:endParaRPr lang="zh-CN" altLang="en-US"/>
           </a:p>
@@ -3201,7 +3201,7 @@
             <a:fld id="{530820CF-B880-4189-942D-D702A7CBA730}" type="datetimeFigureOut">
               <a:rPr lang="zh-CN" altLang="en-US" smtClean="0"/>
               <a:pPr/>
-              <a:t>2018/9/4</a:t>
+              <a:t>2018/9/8</a:t>
             </a:fld>
             <a:endParaRPr lang="zh-CN" altLang="en-US"/>
           </a:p>
@@ -3293,7 +3293,7 @@
             <a:fld id="{530820CF-B880-4189-942D-D702A7CBA730}" type="datetimeFigureOut">
               <a:rPr lang="zh-CN" altLang="en-US" smtClean="0"/>
               <a:pPr/>
-              <a:t>2018/9/4</a:t>
+              <a:t>2018/9/8</a:t>
             </a:fld>
             <a:endParaRPr lang="zh-CN" altLang="en-US"/>
           </a:p>
@@ -3565,7 +3565,7 @@
             <a:fld id="{530820CF-B880-4189-942D-D702A7CBA730}" type="datetimeFigureOut">
               <a:rPr lang="zh-CN" altLang="en-US" smtClean="0"/>
               <a:pPr/>
-              <a:t>2018/9/4</a:t>
+              <a:t>2018/9/8</a:t>
             </a:fld>
             <a:endParaRPr lang="zh-CN" altLang="en-US"/>
           </a:p>
@@ -3814,7 +3814,7 @@
             <a:fld id="{530820CF-B880-4189-942D-D702A7CBA730}" type="datetimeFigureOut">
               <a:rPr lang="zh-CN" altLang="en-US" smtClean="0"/>
               <a:pPr/>
-              <a:t>2018/9/4</a:t>
+              <a:t>2018/9/8</a:t>
             </a:fld>
             <a:endParaRPr lang="zh-CN" altLang="en-US"/>
           </a:p>
@@ -4031,7 +4031,7 @@
             <a:fld id="{530820CF-B880-4189-942D-D702A7CBA730}" type="datetimeFigureOut">
               <a:rPr lang="zh-CN" altLang="en-US" smtClean="0"/>
               <a:pPr/>
-              <a:t>2018/9/4</a:t>
+              <a:t>2018/9/8</a:t>
             </a:fld>
             <a:endParaRPr lang="zh-CN" altLang="en-US"/>
           </a:p>
@@ -24989,7 +24989,7 @@
               <a:defRPr/>
             </a:pPr>
             <a:r>
-              <a:rPr lang="zh-CN" altLang="en-US" sz="1800" dirty="0">
+              <a:rPr lang="zh-CN" altLang="en-US" sz="1800" i="1" dirty="0">
                 <a:latin typeface="Arial Unicode MS" pitchFamily="34" charset="-122"/>
                 <a:ea typeface="Arial Unicode MS" pitchFamily="34" charset="-122"/>
                 <a:cs typeface="Arial Unicode MS" pitchFamily="34" charset="-122"/>
@@ -24997,7 +24997,7 @@
               <a:t>为查询语句的指定名称参数赋 </a:t>
             </a:r>
             <a:r>
-              <a:rPr lang="en-US" altLang="zh-CN" sz="1800" dirty="0">
+              <a:rPr lang="en-US" altLang="zh-CN" sz="1800" i="1" dirty="0">
                 <a:latin typeface="Arial Unicode MS" pitchFamily="34" charset="-122"/>
                 <a:ea typeface="Arial Unicode MS" pitchFamily="34" charset="-122"/>
                 <a:cs typeface="Arial Unicode MS" pitchFamily="34" charset="-122"/>
@@ -25005,7 +25005,7 @@
               <a:t>Date </a:t>
             </a:r>
             <a:r>
-              <a:rPr lang="zh-CN" altLang="en-US" sz="1800" dirty="0">
+              <a:rPr lang="zh-CN" altLang="en-US" sz="1800" i="1" dirty="0">
                 <a:latin typeface="Arial Unicode MS" pitchFamily="34" charset="-122"/>
                 <a:ea typeface="Arial Unicode MS" pitchFamily="34" charset="-122"/>
                 <a:cs typeface="Arial Unicode MS" pitchFamily="34" charset="-122"/>
@@ -26652,7 +26652,7 @@
         </p:spPr>
         <p:txBody>
           <a:bodyPr>
-            <a:normAutofit lnSpcReduction="10000"/>
+            <a:normAutofit/>
           </a:bodyPr>
           <a:lstStyle/>
           <a:p>
@@ -30875,7 +30875,7 @@
         </p:spPr>
         <p:txBody>
           <a:bodyPr>
-            <a:normAutofit lnSpcReduction="10000"/>
+            <a:normAutofit/>
           </a:bodyPr>
           <a:lstStyle/>
           <a:p>
@@ -31699,7 +31699,7 @@
         </p:spPr>
         <p:txBody>
           <a:bodyPr>
-            <a:normAutofit lnSpcReduction="10000"/>
+            <a:normAutofit/>
           </a:bodyPr>
           <a:lstStyle/>
           <a:p>
